--- a/hometask1.pptx
+++ b/hometask1.pptx
@@ -10,6 +10,9 @@
     <p:sldId id="259" r:id="rId4"/>
     <p:sldId id="260" r:id="rId5"/>
     <p:sldId id="261" r:id="rId6"/>
+    <p:sldId id="262" r:id="rId7"/>
+    <p:sldId id="263" r:id="rId8"/>
+    <p:sldId id="264" r:id="rId9"/>
   </p:sldIdLst>
   <p:sldSz cx="12192000" cy="6858000"/>
   <p:notesSz cx="6858000" cy="9144000"/>
@@ -3870,6 +3873,270 @@
 </p:sld>
 </file>
 
+<file path=ppt/slides/slide6.xml><?xml version="1.0" encoding="utf-8"?>
+<p:sld xmlns:a="http://schemas.openxmlformats.org/drawingml/2006/main" xmlns:r="http://schemas.openxmlformats.org/officeDocument/2006/relationships" xmlns:p="http://schemas.openxmlformats.org/presentationml/2006/main">
+  <p:cSld>
+    <p:spTree>
+      <p:nvGrpSpPr>
+        <p:cNvPr id="1" name=""/>
+        <p:cNvGrpSpPr/>
+        <p:nvPr/>
+      </p:nvGrpSpPr>
+      <p:grpSpPr>
+        <a:xfrm>
+          <a:off x="0" y="0"/>
+          <a:ext cx="0" cy="0"/>
+          <a:chOff x="0" y="0"/>
+          <a:chExt cx="0" cy="0"/>
+        </a:xfrm>
+      </p:grpSpPr>
+      <p:sp>
+        <p:nvSpPr>
+          <p:cNvPr id="2" name="Title 1">
+            <a:extLst>
+              <a:ext uri="{FF2B5EF4-FFF2-40B4-BE49-F238E27FC236}">
+                <a16:creationId xmlns:a16="http://schemas.microsoft.com/office/drawing/2014/main" id="{FA337C4B-69FD-4D21-ADCE-534BE1A805CE}"/>
+              </a:ext>
+            </a:extLst>
+          </p:cNvPr>
+          <p:cNvSpPr>
+            <a:spLocks noGrp="1"/>
+          </p:cNvSpPr>
+          <p:nvPr>
+            <p:ph type="title"/>
+          </p:nvPr>
+        </p:nvSpPr>
+        <p:spPr/>
+        <p:txBody>
+          <a:bodyPr/>
+          <a:lstStyle/>
+          <a:p>
+            <a:r>
+              <a:rPr lang="en-US" dirty="0"/>
+              <a:t>Add and commit command</a:t>
+            </a:r>
+          </a:p>
+        </p:txBody>
+      </p:sp>
+      <p:pic>
+        <p:nvPicPr>
+          <p:cNvPr id="5" name="Content Placeholder 4">
+            <a:extLst>
+              <a:ext uri="{FF2B5EF4-FFF2-40B4-BE49-F238E27FC236}">
+                <a16:creationId xmlns:a16="http://schemas.microsoft.com/office/drawing/2014/main" id="{BF55F85A-77C9-4F65-AD98-0547388A84E5}"/>
+              </a:ext>
+            </a:extLst>
+          </p:cNvPr>
+          <p:cNvPicPr>
+            <a:picLocks noGrp="1" noChangeAspect="1"/>
+          </p:cNvPicPr>
+          <p:nvPr>
+            <p:ph idx="1"/>
+          </p:nvPr>
+        </p:nvPicPr>
+        <p:blipFill rotWithShape="1">
+          <a:blip r:embed="rId2">
+            <a:extLst>
+              <a:ext uri="{28A0092B-C50C-407E-A947-70E740481C1C}">
+                <a14:useLocalDpi xmlns:a14="http://schemas.microsoft.com/office/drawing/2010/main" val="0"/>
+              </a:ext>
+            </a:extLst>
+          </a:blip>
+          <a:srcRect b="41810"/>
+          <a:stretch/>
+        </p:blipFill>
+        <p:spPr>
+          <a:xfrm>
+            <a:off x="1840217" y="1690688"/>
+            <a:ext cx="8402910" cy="4654694"/>
+          </a:xfrm>
+        </p:spPr>
+      </p:pic>
+    </p:spTree>
+    <p:extLst>
+      <p:ext uri="{BB962C8B-B14F-4D97-AF65-F5344CB8AC3E}">
+        <p14:creationId xmlns:p14="http://schemas.microsoft.com/office/powerpoint/2010/main" val="1791870473"/>
+      </p:ext>
+    </p:extLst>
+  </p:cSld>
+  <p:clrMapOvr>
+    <a:masterClrMapping/>
+  </p:clrMapOvr>
+</p:sld>
+</file>
+
+<file path=ppt/slides/slide7.xml><?xml version="1.0" encoding="utf-8"?>
+<p:sld xmlns:a="http://schemas.openxmlformats.org/drawingml/2006/main" xmlns:r="http://schemas.openxmlformats.org/officeDocument/2006/relationships" xmlns:p="http://schemas.openxmlformats.org/presentationml/2006/main">
+  <p:cSld>
+    <p:spTree>
+      <p:nvGrpSpPr>
+        <p:cNvPr id="1" name=""/>
+        <p:cNvGrpSpPr/>
+        <p:nvPr/>
+      </p:nvGrpSpPr>
+      <p:grpSpPr>
+        <a:xfrm>
+          <a:off x="0" y="0"/>
+          <a:ext cx="0" cy="0"/>
+          <a:chOff x="0" y="0"/>
+          <a:chExt cx="0" cy="0"/>
+        </a:xfrm>
+      </p:grpSpPr>
+      <p:sp>
+        <p:nvSpPr>
+          <p:cNvPr id="2" name="Title 1">
+            <a:extLst>
+              <a:ext uri="{FF2B5EF4-FFF2-40B4-BE49-F238E27FC236}">
+                <a16:creationId xmlns:a16="http://schemas.microsoft.com/office/drawing/2014/main" id="{C4B16ABF-53CE-41FD-B5E4-37E0CECD2380}"/>
+              </a:ext>
+            </a:extLst>
+          </p:cNvPr>
+          <p:cNvSpPr>
+            <a:spLocks noGrp="1"/>
+          </p:cNvSpPr>
+          <p:nvPr>
+            <p:ph type="title"/>
+          </p:nvPr>
+        </p:nvSpPr>
+        <p:spPr/>
+        <p:txBody>
+          <a:bodyPr/>
+          <a:lstStyle/>
+          <a:p>
+            <a:r>
+              <a:rPr lang="en-US" dirty="0"/>
+              <a:t>Push command</a:t>
+            </a:r>
+          </a:p>
+        </p:txBody>
+      </p:sp>
+      <p:pic>
+        <p:nvPicPr>
+          <p:cNvPr id="5" name="Content Placeholder 4">
+            <a:extLst>
+              <a:ext uri="{FF2B5EF4-FFF2-40B4-BE49-F238E27FC236}">
+                <a16:creationId xmlns:a16="http://schemas.microsoft.com/office/drawing/2014/main" id="{85F6BC81-0550-47FD-94E2-0902F934E9BB}"/>
+              </a:ext>
+            </a:extLst>
+          </p:cNvPr>
+          <p:cNvPicPr>
+            <a:picLocks noGrp="1" noChangeAspect="1"/>
+          </p:cNvPicPr>
+          <p:nvPr>
+            <p:ph idx="1"/>
+          </p:nvPr>
+        </p:nvPicPr>
+        <p:blipFill rotWithShape="1">
+          <a:blip r:embed="rId2">
+            <a:extLst>
+              <a:ext uri="{28A0092B-C50C-407E-A947-70E740481C1C}">
+                <a14:useLocalDpi xmlns:a14="http://schemas.microsoft.com/office/drawing/2010/main" val="0"/>
+              </a:ext>
+            </a:extLst>
+          </a:blip>
+          <a:srcRect l="-1880" t="71579" r="1" b="3243"/>
+          <a:stretch/>
+        </p:blipFill>
+        <p:spPr>
+          <a:xfrm>
+            <a:off x="838200" y="1690688"/>
+            <a:ext cx="10236200" cy="4904076"/>
+          </a:xfrm>
+        </p:spPr>
+      </p:pic>
+    </p:spTree>
+    <p:extLst>
+      <p:ext uri="{BB962C8B-B14F-4D97-AF65-F5344CB8AC3E}">
+        <p14:creationId xmlns:p14="http://schemas.microsoft.com/office/powerpoint/2010/main" val="1230496717"/>
+      </p:ext>
+    </p:extLst>
+  </p:cSld>
+  <p:clrMapOvr>
+    <a:masterClrMapping/>
+  </p:clrMapOvr>
+</p:sld>
+</file>
+
+<file path=ppt/slides/slide8.xml><?xml version="1.0" encoding="utf-8"?>
+<p:sld xmlns:a="http://schemas.openxmlformats.org/drawingml/2006/main" xmlns:r="http://schemas.openxmlformats.org/officeDocument/2006/relationships" xmlns:p="http://schemas.openxmlformats.org/presentationml/2006/main">
+  <p:cSld>
+    <p:spTree>
+      <p:nvGrpSpPr>
+        <p:cNvPr id="1" name=""/>
+        <p:cNvGrpSpPr/>
+        <p:nvPr/>
+      </p:nvGrpSpPr>
+      <p:grpSpPr>
+        <a:xfrm>
+          <a:off x="0" y="0"/>
+          <a:ext cx="0" cy="0"/>
+          <a:chOff x="0" y="0"/>
+          <a:chExt cx="0" cy="0"/>
+        </a:xfrm>
+      </p:grpSpPr>
+      <p:sp>
+        <p:nvSpPr>
+          <p:cNvPr id="2" name="Title 1">
+            <a:extLst>
+              <a:ext uri="{FF2B5EF4-FFF2-40B4-BE49-F238E27FC236}">
+                <a16:creationId xmlns:a16="http://schemas.microsoft.com/office/drawing/2014/main" id="{59598221-B751-42BF-9665-8F38A82B6E1A}"/>
+              </a:ext>
+            </a:extLst>
+          </p:cNvPr>
+          <p:cNvSpPr>
+            <a:spLocks noGrp="1"/>
+          </p:cNvSpPr>
+          <p:nvPr>
+            <p:ph type="title"/>
+          </p:nvPr>
+        </p:nvSpPr>
+        <p:spPr/>
+        <p:txBody>
+          <a:bodyPr/>
+          <a:lstStyle/>
+          <a:p>
+            <a:endParaRPr lang="en-US"/>
+          </a:p>
+        </p:txBody>
+      </p:sp>
+      <p:sp>
+        <p:nvSpPr>
+          <p:cNvPr id="3" name="Content Placeholder 2">
+            <a:extLst>
+              <a:ext uri="{FF2B5EF4-FFF2-40B4-BE49-F238E27FC236}">
+                <a16:creationId xmlns:a16="http://schemas.microsoft.com/office/drawing/2014/main" id="{D91FCE91-184C-4C97-BACD-5BE3EA45233C}"/>
+              </a:ext>
+            </a:extLst>
+          </p:cNvPr>
+          <p:cNvSpPr>
+            <a:spLocks noGrp="1"/>
+          </p:cNvSpPr>
+          <p:nvPr>
+            <p:ph idx="1"/>
+          </p:nvPr>
+        </p:nvSpPr>
+        <p:spPr/>
+        <p:txBody>
+          <a:bodyPr/>
+          <a:lstStyle/>
+          <a:p>
+            <a:endParaRPr lang="en-US"/>
+          </a:p>
+        </p:txBody>
+      </p:sp>
+    </p:spTree>
+    <p:extLst>
+      <p:ext uri="{BB962C8B-B14F-4D97-AF65-F5344CB8AC3E}">
+        <p14:creationId xmlns:p14="http://schemas.microsoft.com/office/powerpoint/2010/main" val="3898751373"/>
+      </p:ext>
+    </p:extLst>
+  </p:cSld>
+  <p:clrMapOvr>
+    <a:masterClrMapping/>
+  </p:clrMapOvr>
+</p:sld>
+</file>
+
 <file path=ppt/theme/theme1.xml><?xml version="1.0" encoding="utf-8"?>
 <a:theme xmlns:a="http://schemas.openxmlformats.org/drawingml/2006/main" name="Office Theme">
   <a:themeElements>

--- a/hometask1.pptx
+++ b/hometask1.pptx
@@ -4095,35 +4095,47 @@
           <a:bodyPr/>
           <a:lstStyle/>
           <a:p>
-            <a:endParaRPr lang="en-US"/>
-          </a:p>
-        </p:txBody>
-      </p:sp>
-      <p:sp>
-        <p:nvSpPr>
-          <p:cNvPr id="3" name="Content Placeholder 2">
-            <a:extLst>
-              <a:ext uri="{FF2B5EF4-FFF2-40B4-BE49-F238E27FC236}">
-                <a16:creationId xmlns:a16="http://schemas.microsoft.com/office/drawing/2014/main" id="{D91FCE91-184C-4C97-BACD-5BE3EA45233C}"/>
-              </a:ext>
-            </a:extLst>
-          </p:cNvPr>
-          <p:cNvSpPr>
-            <a:spLocks noGrp="1"/>
-          </p:cNvSpPr>
+            <a:r>
+              <a:rPr lang="en-US" dirty="0"/>
+              <a:t>Changes made</a:t>
+            </a:r>
+          </a:p>
+        </p:txBody>
+      </p:sp>
+      <p:pic>
+        <p:nvPicPr>
+          <p:cNvPr id="5" name="Content Placeholder 4">
+            <a:extLst>
+              <a:ext uri="{FF2B5EF4-FFF2-40B4-BE49-F238E27FC236}">
+                <a16:creationId xmlns:a16="http://schemas.microsoft.com/office/drawing/2014/main" id="{CF2DBBDE-3DED-44DF-9EB0-A1DA7BDF9627}"/>
+              </a:ext>
+            </a:extLst>
+          </p:cNvPr>
+          <p:cNvPicPr>
+            <a:picLocks noGrp="1" noChangeAspect="1"/>
+          </p:cNvPicPr>
           <p:nvPr>
             <p:ph idx="1"/>
           </p:nvPr>
-        </p:nvSpPr>
-        <p:spPr/>
-        <p:txBody>
-          <a:bodyPr/>
-          <a:lstStyle/>
-          <a:p>
-            <a:endParaRPr lang="en-US"/>
-          </a:p>
-        </p:txBody>
-      </p:sp>
+        </p:nvPicPr>
+        <p:blipFill rotWithShape="1">
+          <a:blip r:embed="rId2">
+            <a:extLst>
+              <a:ext uri="{28A0092B-C50C-407E-A947-70E740481C1C}">
+                <a14:useLocalDpi xmlns:a14="http://schemas.microsoft.com/office/drawing/2010/main" val="0"/>
+              </a:ext>
+            </a:extLst>
+          </a:blip>
+          <a:srcRect t="36848" b="4196"/>
+          <a:stretch/>
+        </p:blipFill>
+        <p:spPr>
+          <a:xfrm>
+            <a:off x="1283855" y="1690689"/>
+            <a:ext cx="8680001" cy="4691638"/>
+          </a:xfrm>
+        </p:spPr>
+      </p:pic>
     </p:spTree>
     <p:extLst>
       <p:ext uri="{BB962C8B-B14F-4D97-AF65-F5344CB8AC3E}">

--- a/hometask1.pptx
+++ b/hometask1.pptx
@@ -5,14 +5,16 @@
     <p:sldMasterId id="2147483648" r:id="rId1"/>
   </p:sldMasterIdLst>
   <p:sldIdLst>
-    <p:sldId id="256" r:id="rId2"/>
-    <p:sldId id="257" r:id="rId3"/>
-    <p:sldId id="259" r:id="rId4"/>
-    <p:sldId id="260" r:id="rId5"/>
-    <p:sldId id="261" r:id="rId6"/>
-    <p:sldId id="262" r:id="rId7"/>
-    <p:sldId id="263" r:id="rId8"/>
-    <p:sldId id="264" r:id="rId9"/>
+    <p:sldId id="265" r:id="rId2"/>
+    <p:sldId id="266" r:id="rId3"/>
+    <p:sldId id="257" r:id="rId4"/>
+    <p:sldId id="259" r:id="rId5"/>
+    <p:sldId id="260" r:id="rId6"/>
+    <p:sldId id="261" r:id="rId7"/>
+    <p:sldId id="262" r:id="rId8"/>
+    <p:sldId id="263" r:id="rId9"/>
+    <p:sldId id="264" r:id="rId10"/>
+    <p:sldId id="267" r:id="rId11"/>
   </p:sldIdLst>
   <p:sldSz cx="12192000" cy="6858000"/>
   <p:notesSz cx="6858000" cy="9144000"/>
@@ -3333,75 +3335,182 @@
           <p:cNvPr id="2" name="Title 1">
             <a:extLst>
               <a:ext uri="{FF2B5EF4-FFF2-40B4-BE49-F238E27FC236}">
-                <a16:creationId xmlns:a16="http://schemas.microsoft.com/office/drawing/2014/main" id="{CC44D31D-1D10-48D1-86E2-2541817392F5}"/>
-              </a:ext>
-            </a:extLst>
-          </p:cNvPr>
-          <p:cNvSpPr>
-            <a:spLocks noGrp="1"/>
-          </p:cNvSpPr>
-          <p:nvPr>
-            <p:ph type="ctrTitle"/>
-          </p:nvPr>
-        </p:nvSpPr>
-        <p:spPr/>
-        <p:txBody>
-          <a:bodyPr>
-            <a:normAutofit fontScale="90000"/>
-          </a:bodyPr>
+                <a16:creationId xmlns:a16="http://schemas.microsoft.com/office/drawing/2014/main" id="{77465C40-936C-4267-916D-0302646E3C48}"/>
+              </a:ext>
+            </a:extLst>
+          </p:cNvPr>
+          <p:cNvSpPr>
+            <a:spLocks noGrp="1"/>
+          </p:cNvSpPr>
+          <p:nvPr>
+            <p:ph type="title"/>
+          </p:nvPr>
+        </p:nvSpPr>
+        <p:spPr/>
+        <p:txBody>
+          <a:bodyPr/>
           <a:lstStyle/>
           <a:p>
             <a:r>
               <a:rPr lang="en-US" dirty="0"/>
-              <a:t>1.I have created by </a:t>
-            </a:r>
-            <a:r>
-              <a:rPr lang="en-US" dirty="0" err="1"/>
-              <a:t>github</a:t>
-            </a:r>
-            <a:r>
-              <a:rPr lang="en-US" dirty="0"/>
-              <a:t> account</a:t>
+              <a:t>                        HOME TASK</a:t>
             </a:r>
             <a:br>
               <a:rPr lang="en-US" dirty="0"/>
             </a:br>
             <a:r>
               <a:rPr lang="en-US" dirty="0"/>
-              <a:t>2.And installed git and git bash.</a:t>
-            </a:r>
-          </a:p>
-        </p:txBody>
-      </p:sp>
-      <p:sp>
-        <p:nvSpPr>
-          <p:cNvPr id="3" name="Subtitle 2">
-            <a:extLst>
-              <a:ext uri="{FF2B5EF4-FFF2-40B4-BE49-F238E27FC236}">
-                <a16:creationId xmlns:a16="http://schemas.microsoft.com/office/drawing/2014/main" id="{DA5BC274-E11E-4BDF-80E2-61911F2DF3EB}"/>
-              </a:ext>
-            </a:extLst>
-          </p:cNvPr>
-          <p:cNvSpPr>
-            <a:spLocks noGrp="1"/>
-          </p:cNvSpPr>
-          <p:nvPr>
-            <p:ph type="subTitle" idx="1"/>
-          </p:nvPr>
-        </p:nvSpPr>
-        <p:spPr/>
-        <p:txBody>
-          <a:bodyPr/>
-          <a:lstStyle/>
-          <a:p>
-            <a:endParaRPr lang="en-US"/>
-          </a:p>
-        </p:txBody>
-      </p:sp>
+              <a:t>Step1:created </a:t>
+            </a:r>
+            <a:r>
+              <a:rPr lang="en-US" dirty="0" err="1"/>
+              <a:t>github</a:t>
+            </a:r>
+            <a:r>
+              <a:rPr lang="en-US" dirty="0"/>
+              <a:t> account and profile.</a:t>
+            </a:r>
+          </a:p>
+        </p:txBody>
+      </p:sp>
+      <p:pic>
+        <p:nvPicPr>
+          <p:cNvPr id="5" name="Content Placeholder 4">
+            <a:extLst>
+              <a:ext uri="{FF2B5EF4-FFF2-40B4-BE49-F238E27FC236}">
+                <a16:creationId xmlns:a16="http://schemas.microsoft.com/office/drawing/2014/main" id="{99CDA717-FB26-4AA2-8060-43307C35911C}"/>
+              </a:ext>
+            </a:extLst>
+          </p:cNvPr>
+          <p:cNvPicPr>
+            <a:picLocks noGrp="1" noChangeAspect="1"/>
+          </p:cNvPicPr>
+          <p:nvPr>
+            <p:ph idx="1"/>
+          </p:nvPr>
+        </p:nvPicPr>
+        <p:blipFill rotWithShape="1">
+          <a:blip r:embed="rId2">
+            <a:extLst>
+              <a:ext uri="{28A0092B-C50C-407E-A947-70E740481C1C}">
+                <a14:useLocalDpi xmlns:a14="http://schemas.microsoft.com/office/drawing/2010/main" val="0"/>
+              </a:ext>
+            </a:extLst>
+          </a:blip>
+          <a:srcRect t="4026" b="2764"/>
+          <a:stretch/>
+        </p:blipFill>
+        <p:spPr>
+          <a:xfrm>
+            <a:off x="1690255" y="1690688"/>
+            <a:ext cx="8273601" cy="4673167"/>
+          </a:xfrm>
+        </p:spPr>
+      </p:pic>
     </p:spTree>
     <p:extLst>
       <p:ext uri="{BB962C8B-B14F-4D97-AF65-F5344CB8AC3E}">
-        <p14:creationId xmlns:p14="http://schemas.microsoft.com/office/powerpoint/2010/main" val="1453317761"/>
+        <p14:creationId xmlns:p14="http://schemas.microsoft.com/office/powerpoint/2010/main" val="395020636"/>
+      </p:ext>
+    </p:extLst>
+  </p:cSld>
+  <p:clrMapOvr>
+    <a:masterClrMapping/>
+  </p:clrMapOvr>
+</p:sld>
+</file>
+
+<file path=ppt/slides/slide10.xml><?xml version="1.0" encoding="utf-8"?>
+<p:sld xmlns:a="http://schemas.openxmlformats.org/drawingml/2006/main" xmlns:r="http://schemas.openxmlformats.org/officeDocument/2006/relationships" xmlns:p="http://schemas.openxmlformats.org/presentationml/2006/main">
+  <p:cSld>
+    <p:spTree>
+      <p:nvGrpSpPr>
+        <p:cNvPr id="1" name=""/>
+        <p:cNvGrpSpPr/>
+        <p:nvPr/>
+      </p:nvGrpSpPr>
+      <p:grpSpPr>
+        <a:xfrm>
+          <a:off x="0" y="0"/>
+          <a:ext cx="0" cy="0"/>
+          <a:chOff x="0" y="0"/>
+          <a:chExt cx="0" cy="0"/>
+        </a:xfrm>
+      </p:grpSpPr>
+      <p:sp>
+        <p:nvSpPr>
+          <p:cNvPr id="2" name="Title 1">
+            <a:extLst>
+              <a:ext uri="{FF2B5EF4-FFF2-40B4-BE49-F238E27FC236}">
+                <a16:creationId xmlns:a16="http://schemas.microsoft.com/office/drawing/2014/main" id="{8D141DBD-85F0-4B82-9A87-A7A4172BA899}"/>
+              </a:ext>
+            </a:extLst>
+          </p:cNvPr>
+          <p:cNvSpPr>
+            <a:spLocks noGrp="1"/>
+          </p:cNvSpPr>
+          <p:nvPr>
+            <p:ph type="title"/>
+          </p:nvPr>
+        </p:nvSpPr>
+        <p:spPr/>
+        <p:txBody>
+          <a:bodyPr/>
+          <a:lstStyle/>
+          <a:p>
+            <a:r>
+              <a:rPr lang="en-US" dirty="0"/>
+              <a:t>OR we can create repository using </a:t>
+            </a:r>
+            <a:r>
+              <a:rPr lang="en-US" dirty="0" err="1"/>
+              <a:t>init</a:t>
+            </a:r>
+            <a:r>
+              <a:rPr lang="en-US" dirty="0"/>
+              <a:t> command also</a:t>
+            </a:r>
+          </a:p>
+        </p:txBody>
+      </p:sp>
+      <p:pic>
+        <p:nvPicPr>
+          <p:cNvPr id="5" name="Content Placeholder 4">
+            <a:extLst>
+              <a:ext uri="{FF2B5EF4-FFF2-40B4-BE49-F238E27FC236}">
+                <a16:creationId xmlns:a16="http://schemas.microsoft.com/office/drawing/2014/main" id="{C076F9AA-E1E3-460E-84F0-31AA0B0EDD86}"/>
+              </a:ext>
+            </a:extLst>
+          </p:cNvPr>
+          <p:cNvPicPr>
+            <a:picLocks noGrp="1" noChangeAspect="1"/>
+          </p:cNvPicPr>
+          <p:nvPr>
+            <p:ph idx="1"/>
+          </p:nvPr>
+        </p:nvPicPr>
+        <p:blipFill rotWithShape="1">
+          <a:blip r:embed="rId2">
+            <a:extLst>
+              <a:ext uri="{28A0092B-C50C-407E-A947-70E740481C1C}">
+                <a14:useLocalDpi xmlns:a14="http://schemas.microsoft.com/office/drawing/2010/main" val="0"/>
+              </a:ext>
+            </a:extLst>
+          </a:blip>
+          <a:srcRect b="3771"/>
+          <a:stretch/>
+        </p:blipFill>
+        <p:spPr>
+          <a:xfrm>
+            <a:off x="1422400" y="1825625"/>
+            <a:ext cx="9254836" cy="4556702"/>
+          </a:xfrm>
+        </p:spPr>
+      </p:pic>
+    </p:spTree>
+    <p:extLst>
+      <p:ext uri="{BB962C8B-B14F-4D97-AF65-F5344CB8AC3E}">
+        <p14:creationId xmlns:p14="http://schemas.microsoft.com/office/powerpoint/2010/main" val="2360753487"/>
       </p:ext>
     </p:extLst>
   </p:cSld>
@@ -3433,6 +3542,98 @@
           <p:cNvPr id="2" name="Title 1">
             <a:extLst>
               <a:ext uri="{FF2B5EF4-FFF2-40B4-BE49-F238E27FC236}">
+                <a16:creationId xmlns:a16="http://schemas.microsoft.com/office/drawing/2014/main" id="{F715448F-6528-4E94-910C-0ECC2A25067E}"/>
+              </a:ext>
+            </a:extLst>
+          </p:cNvPr>
+          <p:cNvSpPr>
+            <a:spLocks noGrp="1"/>
+          </p:cNvSpPr>
+          <p:nvPr>
+            <p:ph type="title"/>
+          </p:nvPr>
+        </p:nvSpPr>
+        <p:spPr/>
+        <p:txBody>
+          <a:bodyPr/>
+          <a:lstStyle/>
+          <a:p>
+            <a:r>
+              <a:rPr lang="en-US" dirty="0"/>
+              <a:t>Step2:Installed git and git bash in my computer</a:t>
+            </a:r>
+          </a:p>
+        </p:txBody>
+      </p:sp>
+      <p:pic>
+        <p:nvPicPr>
+          <p:cNvPr id="5" name="Content Placeholder 4">
+            <a:extLst>
+              <a:ext uri="{FF2B5EF4-FFF2-40B4-BE49-F238E27FC236}">
+                <a16:creationId xmlns:a16="http://schemas.microsoft.com/office/drawing/2014/main" id="{E230AA62-B7C4-473D-AE75-27A3D92B8714}"/>
+              </a:ext>
+            </a:extLst>
+          </p:cNvPr>
+          <p:cNvPicPr>
+            <a:picLocks noGrp="1" noChangeAspect="1"/>
+          </p:cNvPicPr>
+          <p:nvPr>
+            <p:ph idx="1"/>
+          </p:nvPr>
+        </p:nvPicPr>
+        <p:blipFill rotWithShape="1">
+          <a:blip r:embed="rId2">
+            <a:extLst>
+              <a:ext uri="{28A0092B-C50C-407E-A947-70E740481C1C}">
+                <a14:useLocalDpi xmlns:a14="http://schemas.microsoft.com/office/drawing/2010/main" val="0"/>
+              </a:ext>
+            </a:extLst>
+          </a:blip>
+          <a:srcRect l="426" t="10813" r="34627"/>
+          <a:stretch/>
+        </p:blipFill>
+        <p:spPr>
+          <a:xfrm>
+            <a:off x="1311563" y="1958108"/>
+            <a:ext cx="9476509" cy="4692073"/>
+          </a:xfrm>
+        </p:spPr>
+      </p:pic>
+    </p:spTree>
+    <p:extLst>
+      <p:ext uri="{BB962C8B-B14F-4D97-AF65-F5344CB8AC3E}">
+        <p14:creationId xmlns:p14="http://schemas.microsoft.com/office/powerpoint/2010/main" val="1841424469"/>
+      </p:ext>
+    </p:extLst>
+  </p:cSld>
+  <p:clrMapOvr>
+    <a:masterClrMapping/>
+  </p:clrMapOvr>
+</p:sld>
+</file>
+
+<file path=ppt/slides/slide3.xml><?xml version="1.0" encoding="utf-8"?>
+<p:sld xmlns:a="http://schemas.openxmlformats.org/drawingml/2006/main" xmlns:r="http://schemas.openxmlformats.org/officeDocument/2006/relationships" xmlns:p="http://schemas.openxmlformats.org/presentationml/2006/main">
+  <p:cSld>
+    <p:spTree>
+      <p:nvGrpSpPr>
+        <p:cNvPr id="1" name=""/>
+        <p:cNvGrpSpPr/>
+        <p:nvPr/>
+      </p:nvGrpSpPr>
+      <p:grpSpPr>
+        <a:xfrm>
+          <a:off x="0" y="0"/>
+          <a:ext cx="0" cy="0"/>
+          <a:chOff x="0" y="0"/>
+          <a:chExt cx="0" cy="0"/>
+        </a:xfrm>
+      </p:grpSpPr>
+      <p:sp>
+        <p:nvSpPr>
+          <p:cNvPr id="2" name="Title 1">
+            <a:extLst>
+              <a:ext uri="{FF2B5EF4-FFF2-40B4-BE49-F238E27FC236}">
                 <a16:creationId xmlns:a16="http://schemas.microsoft.com/office/drawing/2014/main" id="{3FD0EB8B-2C87-490A-97D3-394F7830B051}"/>
               </a:ext>
             </a:extLst>
@@ -3451,7 +3652,7 @@
           <a:p>
             <a:r>
               <a:rPr lang="en-US" dirty="0"/>
-              <a:t>3.Repository</a:t>
+              <a:t>Step3.Repository</a:t>
             </a:r>
           </a:p>
         </p:txBody>
@@ -3503,7 +3704,7 @@
 </p:sld>
 </file>
 
-<file path=ppt/slides/slide3.xml><?xml version="1.0" encoding="utf-8"?>
+<file path=ppt/slides/slide4.xml><?xml version="1.0" encoding="utf-8"?>
 <p:sld xmlns:a="http://schemas.openxmlformats.org/drawingml/2006/main" xmlns:r="http://schemas.openxmlformats.org/officeDocument/2006/relationships" xmlns:p="http://schemas.openxmlformats.org/presentationml/2006/main">
   <p:cSld>
     <p:spTree>
@@ -3687,99 +3888,6 @@
 </p:sld>
 </file>
 
-<file path=ppt/slides/slide4.xml><?xml version="1.0" encoding="utf-8"?>
-<p:sld xmlns:a="http://schemas.openxmlformats.org/drawingml/2006/main" xmlns:r="http://schemas.openxmlformats.org/officeDocument/2006/relationships" xmlns:p="http://schemas.openxmlformats.org/presentationml/2006/main">
-  <p:cSld>
-    <p:spTree>
-      <p:nvGrpSpPr>
-        <p:cNvPr id="1" name=""/>
-        <p:cNvGrpSpPr/>
-        <p:nvPr/>
-      </p:nvGrpSpPr>
-      <p:grpSpPr>
-        <a:xfrm>
-          <a:off x="0" y="0"/>
-          <a:ext cx="0" cy="0"/>
-          <a:chOff x="0" y="0"/>
-          <a:chExt cx="0" cy="0"/>
-        </a:xfrm>
-      </p:grpSpPr>
-      <p:sp>
-        <p:nvSpPr>
-          <p:cNvPr id="2" name="Title 1">
-            <a:extLst>
-              <a:ext uri="{FF2B5EF4-FFF2-40B4-BE49-F238E27FC236}">
-                <a16:creationId xmlns:a16="http://schemas.microsoft.com/office/drawing/2014/main" id="{D5A2B3ED-4884-41EF-819B-FBA7034E3EC6}"/>
-              </a:ext>
-            </a:extLst>
-          </p:cNvPr>
-          <p:cNvSpPr>
-            <a:spLocks noGrp="1"/>
-          </p:cNvSpPr>
-          <p:nvPr>
-            <p:ph type="title"/>
-          </p:nvPr>
-        </p:nvSpPr>
-        <p:spPr/>
-        <p:txBody>
-          <a:bodyPr/>
-          <a:lstStyle/>
-          <a:p>
-            <a:r>
-              <a:rPr lang="en-US" dirty="0" err="1"/>
-              <a:t>url</a:t>
-            </a:r>
-            <a:endParaRPr lang="en-US" dirty="0"/>
-          </a:p>
-        </p:txBody>
-      </p:sp>
-      <p:pic>
-        <p:nvPicPr>
-          <p:cNvPr id="5" name="Content Placeholder 4">
-            <a:extLst>
-              <a:ext uri="{FF2B5EF4-FFF2-40B4-BE49-F238E27FC236}">
-                <a16:creationId xmlns:a16="http://schemas.microsoft.com/office/drawing/2014/main" id="{2FCD71B7-80F9-43BA-96B6-4307A63EE718}"/>
-              </a:ext>
-            </a:extLst>
-          </p:cNvPr>
-          <p:cNvPicPr>
-            <a:picLocks noGrp="1" noChangeAspect="1"/>
-          </p:cNvPicPr>
-          <p:nvPr>
-            <p:ph idx="1"/>
-          </p:nvPr>
-        </p:nvPicPr>
-        <p:blipFill rotWithShape="1">
-          <a:blip r:embed="rId2">
-            <a:extLst>
-              <a:ext uri="{28A0092B-C50C-407E-A947-70E740481C1C}">
-                <a14:useLocalDpi xmlns:a14="http://schemas.microsoft.com/office/drawing/2010/main" val="0"/>
-              </a:ext>
-            </a:extLst>
-          </a:blip>
-          <a:srcRect t="4531" b="2922"/>
-          <a:stretch/>
-        </p:blipFill>
-        <p:spPr>
-          <a:xfrm>
-            <a:off x="2228144" y="2022764"/>
-            <a:ext cx="7735712" cy="4027054"/>
-          </a:xfrm>
-        </p:spPr>
-      </p:pic>
-    </p:spTree>
-    <p:extLst>
-      <p:ext uri="{BB962C8B-B14F-4D97-AF65-F5344CB8AC3E}">
-        <p14:creationId xmlns:p14="http://schemas.microsoft.com/office/powerpoint/2010/main" val="658702016"/>
-      </p:ext>
-    </p:extLst>
-  </p:cSld>
-  <p:clrMapOvr>
-    <a:masterClrMapping/>
-  </p:clrMapOvr>
-</p:sld>
-</file>
-
 <file path=ppt/slides/slide5.xml><?xml version="1.0" encoding="utf-8"?>
 <p:sld xmlns:a="http://schemas.openxmlformats.org/drawingml/2006/main" xmlns:r="http://schemas.openxmlformats.org/officeDocument/2006/relationships" xmlns:p="http://schemas.openxmlformats.org/presentationml/2006/main">
   <p:cSld>
@@ -3802,7 +3910,7 @@
           <p:cNvPr id="2" name="Title 1">
             <a:extLst>
               <a:ext uri="{FF2B5EF4-FFF2-40B4-BE49-F238E27FC236}">
-                <a16:creationId xmlns:a16="http://schemas.microsoft.com/office/drawing/2014/main" id="{B3959F7E-D3D4-4745-9F8A-0AC828E4B8BB}"/>
+                <a16:creationId xmlns:a16="http://schemas.microsoft.com/office/drawing/2014/main" id="{D5A2B3ED-4884-41EF-819B-FBA7034E3EC6}"/>
               </a:ext>
             </a:extLst>
           </p:cNvPr>
@@ -3819,9 +3927,10 @@
           <a:lstStyle/>
           <a:p>
             <a:r>
-              <a:rPr lang="en-US" dirty="0"/>
-              <a:t>Config commands</a:t>
-            </a:r>
+              <a:rPr lang="en-US" dirty="0" err="1"/>
+              <a:t>url</a:t>
+            </a:r>
+            <a:endParaRPr lang="en-US" dirty="0"/>
           </a:p>
         </p:txBody>
       </p:sp>
@@ -3830,7 +3939,7 @@
           <p:cNvPr id="5" name="Content Placeholder 4">
             <a:extLst>
               <a:ext uri="{FF2B5EF4-FFF2-40B4-BE49-F238E27FC236}">
-                <a16:creationId xmlns:a16="http://schemas.microsoft.com/office/drawing/2014/main" id="{A811A324-E207-4AD9-9FE0-A9CE5D24A07C}"/>
+                <a16:creationId xmlns:a16="http://schemas.microsoft.com/office/drawing/2014/main" id="{2FCD71B7-80F9-43BA-96B6-4307A63EE718}"/>
               </a:ext>
             </a:extLst>
           </p:cNvPr>
@@ -3841,7 +3950,7 @@
             <p:ph idx="1"/>
           </p:nvPr>
         </p:nvPicPr>
-        <p:blipFill>
+        <p:blipFill rotWithShape="1">
           <a:blip r:embed="rId2">
             <a:extLst>
               <a:ext uri="{28A0092B-C50C-407E-A947-70E740481C1C}">
@@ -3849,21 +3958,20 @@
               </a:ext>
             </a:extLst>
           </a:blip>
-          <a:stretch>
-            <a:fillRect/>
-          </a:stretch>
+          <a:srcRect t="4531" b="2922"/>
+          <a:stretch/>
         </p:blipFill>
         <p:spPr>
           <a:xfrm>
-            <a:off x="1487055" y="1533236"/>
-            <a:ext cx="8476801" cy="4886037"/>
+            <a:off x="2228144" y="2022764"/>
+            <a:ext cx="7735712" cy="4027054"/>
           </a:xfrm>
         </p:spPr>
       </p:pic>
     </p:spTree>
     <p:extLst>
       <p:ext uri="{BB962C8B-B14F-4D97-AF65-F5344CB8AC3E}">
-        <p14:creationId xmlns:p14="http://schemas.microsoft.com/office/powerpoint/2010/main" val="4216423715"/>
+        <p14:creationId xmlns:p14="http://schemas.microsoft.com/office/powerpoint/2010/main" val="658702016"/>
       </p:ext>
     </p:extLst>
   </p:cSld>
@@ -3895,7 +4003,7 @@
           <p:cNvPr id="2" name="Title 1">
             <a:extLst>
               <a:ext uri="{FF2B5EF4-FFF2-40B4-BE49-F238E27FC236}">
-                <a16:creationId xmlns:a16="http://schemas.microsoft.com/office/drawing/2014/main" id="{FA337C4B-69FD-4D21-ADCE-534BE1A805CE}"/>
+                <a16:creationId xmlns:a16="http://schemas.microsoft.com/office/drawing/2014/main" id="{B3959F7E-D3D4-4745-9F8A-0AC828E4B8BB}"/>
               </a:ext>
             </a:extLst>
           </p:cNvPr>
@@ -3913,7 +4021,7 @@
           <a:p>
             <a:r>
               <a:rPr lang="en-US" dirty="0"/>
-              <a:t>Add and commit command</a:t>
+              <a:t>Config commands</a:t>
             </a:r>
           </a:p>
         </p:txBody>
@@ -3923,7 +4031,7 @@
           <p:cNvPr id="5" name="Content Placeholder 4">
             <a:extLst>
               <a:ext uri="{FF2B5EF4-FFF2-40B4-BE49-F238E27FC236}">
-                <a16:creationId xmlns:a16="http://schemas.microsoft.com/office/drawing/2014/main" id="{BF55F85A-77C9-4F65-AD98-0547388A84E5}"/>
+                <a16:creationId xmlns:a16="http://schemas.microsoft.com/office/drawing/2014/main" id="{A811A324-E207-4AD9-9FE0-A9CE5D24A07C}"/>
               </a:ext>
             </a:extLst>
           </p:cNvPr>
@@ -3934,7 +4042,7 @@
             <p:ph idx="1"/>
           </p:nvPr>
         </p:nvPicPr>
-        <p:blipFill rotWithShape="1">
+        <p:blipFill>
           <a:blip r:embed="rId2">
             <a:extLst>
               <a:ext uri="{28A0092B-C50C-407E-A947-70E740481C1C}">
@@ -3942,20 +4050,21 @@
               </a:ext>
             </a:extLst>
           </a:blip>
-          <a:srcRect b="41810"/>
-          <a:stretch/>
+          <a:stretch>
+            <a:fillRect/>
+          </a:stretch>
         </p:blipFill>
         <p:spPr>
           <a:xfrm>
-            <a:off x="1840217" y="1690688"/>
-            <a:ext cx="8402910" cy="4654694"/>
+            <a:off x="1487055" y="1533236"/>
+            <a:ext cx="8476801" cy="4886037"/>
           </a:xfrm>
         </p:spPr>
       </p:pic>
     </p:spTree>
     <p:extLst>
       <p:ext uri="{BB962C8B-B14F-4D97-AF65-F5344CB8AC3E}">
-        <p14:creationId xmlns:p14="http://schemas.microsoft.com/office/powerpoint/2010/main" val="1791870473"/>
+        <p14:creationId xmlns:p14="http://schemas.microsoft.com/office/powerpoint/2010/main" val="4216423715"/>
       </p:ext>
     </p:extLst>
   </p:cSld>
@@ -3987,6 +4096,98 @@
           <p:cNvPr id="2" name="Title 1">
             <a:extLst>
               <a:ext uri="{FF2B5EF4-FFF2-40B4-BE49-F238E27FC236}">
+                <a16:creationId xmlns:a16="http://schemas.microsoft.com/office/drawing/2014/main" id="{FA337C4B-69FD-4D21-ADCE-534BE1A805CE}"/>
+              </a:ext>
+            </a:extLst>
+          </p:cNvPr>
+          <p:cNvSpPr>
+            <a:spLocks noGrp="1"/>
+          </p:cNvSpPr>
+          <p:nvPr>
+            <p:ph type="title"/>
+          </p:nvPr>
+        </p:nvSpPr>
+        <p:spPr/>
+        <p:txBody>
+          <a:bodyPr/>
+          <a:lstStyle/>
+          <a:p>
+            <a:r>
+              <a:rPr lang="en-US" dirty="0"/>
+              <a:t>Add and commit command</a:t>
+            </a:r>
+          </a:p>
+        </p:txBody>
+      </p:sp>
+      <p:pic>
+        <p:nvPicPr>
+          <p:cNvPr id="5" name="Content Placeholder 4">
+            <a:extLst>
+              <a:ext uri="{FF2B5EF4-FFF2-40B4-BE49-F238E27FC236}">
+                <a16:creationId xmlns:a16="http://schemas.microsoft.com/office/drawing/2014/main" id="{BF55F85A-77C9-4F65-AD98-0547388A84E5}"/>
+              </a:ext>
+            </a:extLst>
+          </p:cNvPr>
+          <p:cNvPicPr>
+            <a:picLocks noGrp="1" noChangeAspect="1"/>
+          </p:cNvPicPr>
+          <p:nvPr>
+            <p:ph idx="1"/>
+          </p:nvPr>
+        </p:nvPicPr>
+        <p:blipFill rotWithShape="1">
+          <a:blip r:embed="rId2">
+            <a:extLst>
+              <a:ext uri="{28A0092B-C50C-407E-A947-70E740481C1C}">
+                <a14:useLocalDpi xmlns:a14="http://schemas.microsoft.com/office/drawing/2010/main" val="0"/>
+              </a:ext>
+            </a:extLst>
+          </a:blip>
+          <a:srcRect b="41810"/>
+          <a:stretch/>
+        </p:blipFill>
+        <p:spPr>
+          <a:xfrm>
+            <a:off x="1840217" y="1690688"/>
+            <a:ext cx="8402910" cy="4654694"/>
+          </a:xfrm>
+        </p:spPr>
+      </p:pic>
+    </p:spTree>
+    <p:extLst>
+      <p:ext uri="{BB962C8B-B14F-4D97-AF65-F5344CB8AC3E}">
+        <p14:creationId xmlns:p14="http://schemas.microsoft.com/office/powerpoint/2010/main" val="1791870473"/>
+      </p:ext>
+    </p:extLst>
+  </p:cSld>
+  <p:clrMapOvr>
+    <a:masterClrMapping/>
+  </p:clrMapOvr>
+</p:sld>
+</file>
+
+<file path=ppt/slides/slide8.xml><?xml version="1.0" encoding="utf-8"?>
+<p:sld xmlns:a="http://schemas.openxmlformats.org/drawingml/2006/main" xmlns:r="http://schemas.openxmlformats.org/officeDocument/2006/relationships" xmlns:p="http://schemas.openxmlformats.org/presentationml/2006/main">
+  <p:cSld>
+    <p:spTree>
+      <p:nvGrpSpPr>
+        <p:cNvPr id="1" name=""/>
+        <p:cNvGrpSpPr/>
+        <p:nvPr/>
+      </p:nvGrpSpPr>
+      <p:grpSpPr>
+        <a:xfrm>
+          <a:off x="0" y="0"/>
+          <a:ext cx="0" cy="0"/>
+          <a:chOff x="0" y="0"/>
+          <a:chExt cx="0" cy="0"/>
+        </a:xfrm>
+      </p:grpSpPr>
+      <p:sp>
+        <p:nvSpPr>
+          <p:cNvPr id="2" name="Title 1">
+            <a:extLst>
+              <a:ext uri="{FF2B5EF4-FFF2-40B4-BE49-F238E27FC236}">
                 <a16:creationId xmlns:a16="http://schemas.microsoft.com/office/drawing/2014/main" id="{C4B16ABF-53CE-41FD-B5E4-37E0CECD2380}"/>
               </a:ext>
             </a:extLst>
@@ -4005,7 +4206,7 @@
           <a:p>
             <a:r>
               <a:rPr lang="en-US" dirty="0"/>
-              <a:t>Push command</a:t>
+              <a:t>Step4:Pushing the changes into the remote server</a:t>
             </a:r>
           </a:p>
         </p:txBody>
@@ -4057,7 +4258,7 @@
 </p:sld>
 </file>
 
-<file path=ppt/slides/slide8.xml><?xml version="1.0" encoding="utf-8"?>
+<file path=ppt/slides/slide9.xml><?xml version="1.0" encoding="utf-8"?>
 <p:sld xmlns:a="http://schemas.openxmlformats.org/drawingml/2006/main" xmlns:r="http://schemas.openxmlformats.org/officeDocument/2006/relationships" xmlns:p="http://schemas.openxmlformats.org/presentationml/2006/main">
   <p:cSld>
     <p:spTree>
